--- a/Capstone_Presentation.pptx
+++ b/Capstone_Presentation.pptx
@@ -212,7 +212,7 @@
           <a:p>
             <a:fld id="{BBDB9C2F-DE81-4C96-B427-CC8F9185CE8F}" type="datetimeFigureOut">
               <a:rPr lang="en-US" smtClean="0"/>
-              <a:t>3/16/2017</a:t>
+              <a:t>3/26/2017</a:t>
             </a:fld>
             <a:endParaRPr lang="en-US"/>
           </a:p>
@@ -692,7 +692,7 @@
           <a:p>
             <a:fld id="{22AA997A-3165-4E17-A175-96795051DEBE}" type="datetimeFigureOut">
               <a:rPr lang="en-US" smtClean="0"/>
-              <a:t>3/16/2017</a:t>
+              <a:t>3/26/2017</a:t>
             </a:fld>
             <a:endParaRPr lang="en-US"/>
           </a:p>
@@ -860,7 +860,7 @@
           <a:p>
             <a:fld id="{22AA997A-3165-4E17-A175-96795051DEBE}" type="datetimeFigureOut">
               <a:rPr lang="en-US" smtClean="0"/>
-              <a:t>3/16/2017</a:t>
+              <a:t>3/26/2017</a:t>
             </a:fld>
             <a:endParaRPr lang="en-US"/>
           </a:p>
@@ -1038,7 +1038,7 @@
           <a:p>
             <a:fld id="{22AA997A-3165-4E17-A175-96795051DEBE}" type="datetimeFigureOut">
               <a:rPr lang="en-US" smtClean="0"/>
-              <a:t>3/16/2017</a:t>
+              <a:t>3/26/2017</a:t>
             </a:fld>
             <a:endParaRPr lang="en-US"/>
           </a:p>
@@ -1206,7 +1206,7 @@
           <a:p>
             <a:fld id="{22AA997A-3165-4E17-A175-96795051DEBE}" type="datetimeFigureOut">
               <a:rPr lang="en-US" smtClean="0"/>
-              <a:t>3/16/2017</a:t>
+              <a:t>3/26/2017</a:t>
             </a:fld>
             <a:endParaRPr lang="en-US"/>
           </a:p>
@@ -1490,7 +1490,7 @@
           <a:p>
             <a:fld id="{22AA997A-3165-4E17-A175-96795051DEBE}" type="datetimeFigureOut">
               <a:rPr lang="en-US" smtClean="0"/>
-              <a:t>3/16/2017</a:t>
+              <a:t>3/26/2017</a:t>
             </a:fld>
             <a:endParaRPr lang="en-US"/>
           </a:p>
@@ -1719,7 +1719,7 @@
           <a:p>
             <a:fld id="{22AA997A-3165-4E17-A175-96795051DEBE}" type="datetimeFigureOut">
               <a:rPr lang="en-US" smtClean="0"/>
-              <a:t>3/16/2017</a:t>
+              <a:t>3/26/2017</a:t>
             </a:fld>
             <a:endParaRPr lang="en-US"/>
           </a:p>
@@ -2083,7 +2083,7 @@
           <a:p>
             <a:fld id="{22AA997A-3165-4E17-A175-96795051DEBE}" type="datetimeFigureOut">
               <a:rPr lang="en-US" smtClean="0"/>
-              <a:t>3/16/2017</a:t>
+              <a:t>3/26/2017</a:t>
             </a:fld>
             <a:endParaRPr lang="en-US"/>
           </a:p>
@@ -2200,7 +2200,7 @@
           <a:p>
             <a:fld id="{22AA997A-3165-4E17-A175-96795051DEBE}" type="datetimeFigureOut">
               <a:rPr lang="en-US" smtClean="0"/>
-              <a:t>3/16/2017</a:t>
+              <a:t>3/26/2017</a:t>
             </a:fld>
             <a:endParaRPr lang="en-US"/>
           </a:p>
@@ -2295,7 +2295,7 @@
           <a:p>
             <a:fld id="{22AA997A-3165-4E17-A175-96795051DEBE}" type="datetimeFigureOut">
               <a:rPr lang="en-US" smtClean="0"/>
-              <a:t>3/16/2017</a:t>
+              <a:t>3/26/2017</a:t>
             </a:fld>
             <a:endParaRPr lang="en-US"/>
           </a:p>
@@ -2570,7 +2570,7 @@
           <a:p>
             <a:fld id="{22AA997A-3165-4E17-A175-96795051DEBE}" type="datetimeFigureOut">
               <a:rPr lang="en-US" smtClean="0"/>
-              <a:t>3/16/2017</a:t>
+              <a:t>3/26/2017</a:t>
             </a:fld>
             <a:endParaRPr lang="en-US"/>
           </a:p>
@@ -2822,7 +2822,7 @@
           <a:p>
             <a:fld id="{22AA997A-3165-4E17-A175-96795051DEBE}" type="datetimeFigureOut">
               <a:rPr lang="en-US" smtClean="0"/>
-              <a:t>3/16/2017</a:t>
+              <a:t>3/26/2017</a:t>
             </a:fld>
             <a:endParaRPr lang="en-US"/>
           </a:p>
@@ -3033,7 +3033,7 @@
           <a:p>
             <a:fld id="{22AA997A-3165-4E17-A175-96795051DEBE}" type="datetimeFigureOut">
               <a:rPr lang="en-US" smtClean="0"/>
-              <a:t>3/16/2017</a:t>
+              <a:t>3/26/2017</a:t>
             </a:fld>
             <a:endParaRPr lang="en-US"/>
           </a:p>
@@ -10887,7 +10887,7 @@
         </p:blipFill>
         <p:spPr>
           <a:xfrm>
-            <a:off x="0" y="2497252"/>
+            <a:off x="39756" y="2497252"/>
             <a:ext cx="4618236" cy="3084332"/>
           </a:xfrm>
           <a:prstGeom prst="rect">
@@ -11329,6 +11329,537 @@
               <a:latin typeface="Arial" panose="020B0604020202020204" pitchFamily="34" charset="0"/>
               <a:cs typeface="Arial" panose="020B0604020202020204" pitchFamily="34" charset="0"/>
             </a:endParaRPr>
+          </a:p>
+        </p:txBody>
+      </p:sp>
+      <p:sp>
+        <p:nvSpPr>
+          <p:cNvPr id="3" name="TextBox 2"/>
+          <p:cNvSpPr txBox="1"/>
+          <p:nvPr/>
+        </p:nvSpPr>
+        <p:spPr>
+          <a:xfrm>
+            <a:off x="172278" y="2684779"/>
+            <a:ext cx="739648" cy="2596865"/>
+          </a:xfrm>
+          <a:prstGeom prst="rect">
+            <a:avLst/>
+          </a:prstGeom>
+          <a:solidFill>
+            <a:schemeClr val="bg1"/>
+          </a:solidFill>
+        </p:spPr>
+        <p:txBody>
+          <a:bodyPr wrap="square" rtlCol="0">
+            <a:spAutoFit/>
+          </a:bodyPr>
+          <a:lstStyle/>
+          <a:p>
+            <a:pPr algn="r">
+              <a:lnSpc>
+                <a:spcPct val="150000"/>
+              </a:lnSpc>
+            </a:pPr>
+            <a:r>
+              <a:rPr lang="en-US" sz="1550" dirty="0">
+                <a:latin typeface="Arial" panose="020B0604020202020204" pitchFamily="34" charset="0"/>
+                <a:cs typeface="Arial" panose="020B0604020202020204" pitchFamily="34" charset="0"/>
+              </a:rPr>
+              <a:t>3000-</a:t>
+            </a:r>
+          </a:p>
+          <a:p>
+            <a:pPr algn="r">
+              <a:lnSpc>
+                <a:spcPct val="150000"/>
+              </a:lnSpc>
+            </a:pPr>
+            <a:r>
+              <a:rPr lang="en-US" sz="1550" dirty="0">
+                <a:latin typeface="Arial" panose="020B0604020202020204" pitchFamily="34" charset="0"/>
+                <a:cs typeface="Arial" panose="020B0604020202020204" pitchFamily="34" charset="0"/>
+              </a:rPr>
+              <a:t>2500-</a:t>
+            </a:r>
+          </a:p>
+          <a:p>
+            <a:pPr algn="r">
+              <a:lnSpc>
+                <a:spcPct val="150000"/>
+              </a:lnSpc>
+            </a:pPr>
+            <a:r>
+              <a:rPr lang="en-US" sz="1550" dirty="0">
+                <a:latin typeface="Arial" panose="020B0604020202020204" pitchFamily="34" charset="0"/>
+                <a:cs typeface="Arial" panose="020B0604020202020204" pitchFamily="34" charset="0"/>
+              </a:rPr>
+              <a:t>2000-</a:t>
+            </a:r>
+          </a:p>
+          <a:p>
+            <a:pPr algn="r">
+              <a:lnSpc>
+                <a:spcPct val="150000"/>
+              </a:lnSpc>
+            </a:pPr>
+            <a:r>
+              <a:rPr lang="en-US" sz="1550" dirty="0">
+                <a:latin typeface="Arial" panose="020B0604020202020204" pitchFamily="34" charset="0"/>
+                <a:cs typeface="Arial" panose="020B0604020202020204" pitchFamily="34" charset="0"/>
+              </a:rPr>
+              <a:t>1500-</a:t>
+            </a:r>
+          </a:p>
+          <a:p>
+            <a:pPr algn="r">
+              <a:lnSpc>
+                <a:spcPct val="150000"/>
+              </a:lnSpc>
+            </a:pPr>
+            <a:r>
+              <a:rPr lang="en-US" sz="1550" dirty="0">
+                <a:latin typeface="Arial" panose="020B0604020202020204" pitchFamily="34" charset="0"/>
+                <a:cs typeface="Arial" panose="020B0604020202020204" pitchFamily="34" charset="0"/>
+              </a:rPr>
+              <a:t>1000-</a:t>
+            </a:r>
+          </a:p>
+          <a:p>
+            <a:pPr algn="r">
+              <a:lnSpc>
+                <a:spcPct val="150000"/>
+              </a:lnSpc>
+            </a:pPr>
+            <a:r>
+              <a:rPr lang="en-US" sz="1550" dirty="0">
+                <a:latin typeface="Arial" panose="020B0604020202020204" pitchFamily="34" charset="0"/>
+                <a:cs typeface="Arial" panose="020B0604020202020204" pitchFamily="34" charset="0"/>
+              </a:rPr>
+              <a:t>500-</a:t>
+            </a:r>
+          </a:p>
+          <a:p>
+            <a:pPr algn="r">
+              <a:lnSpc>
+                <a:spcPct val="150000"/>
+              </a:lnSpc>
+            </a:pPr>
+            <a:r>
+              <a:rPr lang="en-US" sz="1550" dirty="0">
+                <a:latin typeface="Arial" panose="020B0604020202020204" pitchFamily="34" charset="0"/>
+                <a:cs typeface="Arial" panose="020B0604020202020204" pitchFamily="34" charset="0"/>
+              </a:rPr>
+              <a:t>0</a:t>
+            </a:r>
+          </a:p>
+        </p:txBody>
+      </p:sp>
+      <p:sp>
+        <p:nvSpPr>
+          <p:cNvPr id="2" name="TextBox 1"/>
+          <p:cNvSpPr txBox="1"/>
+          <p:nvPr/>
+        </p:nvSpPr>
+        <p:spPr>
+          <a:xfrm rot="16200000">
+            <a:off x="-1262587" y="3338868"/>
+            <a:ext cx="2822713" cy="369332"/>
+          </a:xfrm>
+          <a:prstGeom prst="rect">
+            <a:avLst/>
+          </a:prstGeom>
+          <a:solidFill>
+            <a:schemeClr val="bg1"/>
+          </a:solidFill>
+        </p:spPr>
+        <p:txBody>
+          <a:bodyPr wrap="square" rtlCol="0">
+            <a:spAutoFit/>
+          </a:bodyPr>
+          <a:lstStyle/>
+          <a:p>
+            <a:r>
+              <a:rPr lang="en-US" dirty="0">
+                <a:latin typeface="Arial" panose="020B0604020202020204" pitchFamily="34" charset="0"/>
+                <a:cs typeface="Arial" panose="020B0604020202020204" pitchFamily="34" charset="0"/>
+              </a:rPr>
+              <a:t>Cortisol (ng\mL)</a:t>
+            </a:r>
+          </a:p>
+        </p:txBody>
+      </p:sp>
+      <p:sp>
+        <p:nvSpPr>
+          <p:cNvPr id="15" name="TextBox 14"/>
+          <p:cNvSpPr txBox="1"/>
+          <p:nvPr/>
+        </p:nvSpPr>
+        <p:spPr>
+          <a:xfrm>
+            <a:off x="4304082" y="2894708"/>
+            <a:ext cx="739648" cy="2403607"/>
+          </a:xfrm>
+          <a:prstGeom prst="rect">
+            <a:avLst/>
+          </a:prstGeom>
+          <a:solidFill>
+            <a:schemeClr val="bg1"/>
+          </a:solidFill>
+        </p:spPr>
+        <p:txBody>
+          <a:bodyPr wrap="square" rtlCol="0">
+            <a:spAutoFit/>
+          </a:bodyPr>
+          <a:lstStyle/>
+          <a:p>
+            <a:pPr algn="r">
+              <a:lnSpc>
+                <a:spcPct val="200000"/>
+              </a:lnSpc>
+            </a:pPr>
+            <a:r>
+              <a:rPr lang="en-US" sz="1550" dirty="0">
+                <a:latin typeface="Arial" panose="020B0604020202020204" pitchFamily="34" charset="0"/>
+                <a:cs typeface="Arial" panose="020B0604020202020204" pitchFamily="34" charset="0"/>
+              </a:rPr>
+              <a:t>2000-</a:t>
+            </a:r>
+          </a:p>
+          <a:p>
+            <a:pPr algn="r">
+              <a:lnSpc>
+                <a:spcPct val="200000"/>
+              </a:lnSpc>
+            </a:pPr>
+            <a:r>
+              <a:rPr lang="en-US" sz="1550" dirty="0">
+                <a:latin typeface="Arial" panose="020B0604020202020204" pitchFamily="34" charset="0"/>
+                <a:cs typeface="Arial" panose="020B0604020202020204" pitchFamily="34" charset="0"/>
+              </a:rPr>
+              <a:t>1500-</a:t>
+            </a:r>
+          </a:p>
+          <a:p>
+            <a:pPr algn="r">
+              <a:lnSpc>
+                <a:spcPct val="200000"/>
+              </a:lnSpc>
+            </a:pPr>
+            <a:r>
+              <a:rPr lang="en-US" sz="1550" dirty="0">
+                <a:latin typeface="Arial" panose="020B0604020202020204" pitchFamily="34" charset="0"/>
+                <a:cs typeface="Arial" panose="020B0604020202020204" pitchFamily="34" charset="0"/>
+              </a:rPr>
+              <a:t>1000-</a:t>
+            </a:r>
+          </a:p>
+          <a:p>
+            <a:pPr algn="r">
+              <a:lnSpc>
+                <a:spcPct val="200000"/>
+              </a:lnSpc>
+            </a:pPr>
+            <a:r>
+              <a:rPr lang="en-US" sz="1550" dirty="0">
+                <a:latin typeface="Arial" panose="020B0604020202020204" pitchFamily="34" charset="0"/>
+                <a:cs typeface="Arial" panose="020B0604020202020204" pitchFamily="34" charset="0"/>
+              </a:rPr>
+              <a:t>500-</a:t>
+            </a:r>
+          </a:p>
+          <a:p>
+            <a:pPr algn="r">
+              <a:lnSpc>
+                <a:spcPct val="200000"/>
+              </a:lnSpc>
+            </a:pPr>
+            <a:r>
+              <a:rPr lang="en-US" sz="1550" dirty="0">
+                <a:latin typeface="Arial" panose="020B0604020202020204" pitchFamily="34" charset="0"/>
+                <a:cs typeface="Arial" panose="020B0604020202020204" pitchFamily="34" charset="0"/>
+              </a:rPr>
+              <a:t>0</a:t>
+            </a:r>
+          </a:p>
+        </p:txBody>
+      </p:sp>
+      <p:sp>
+        <p:nvSpPr>
+          <p:cNvPr id="14" name="TextBox 13"/>
+          <p:cNvSpPr txBox="1"/>
+          <p:nvPr/>
+        </p:nvSpPr>
+        <p:spPr>
+          <a:xfrm rot="16200000">
+            <a:off x="2586993" y="3568240"/>
+            <a:ext cx="3334466" cy="369332"/>
+          </a:xfrm>
+          <a:prstGeom prst="rect">
+            <a:avLst/>
+          </a:prstGeom>
+          <a:solidFill>
+            <a:schemeClr val="bg1"/>
+          </a:solidFill>
+        </p:spPr>
+        <p:txBody>
+          <a:bodyPr wrap="square" rtlCol="0">
+            <a:spAutoFit/>
+          </a:bodyPr>
+          <a:lstStyle/>
+          <a:p>
+            <a:r>
+              <a:rPr lang="en-US" dirty="0">
+                <a:latin typeface="Arial" panose="020B0604020202020204" pitchFamily="34" charset="0"/>
+                <a:cs typeface="Arial" panose="020B0604020202020204" pitchFamily="34" charset="0"/>
+              </a:rPr>
+              <a:t>Ambulatory Activity (AU)</a:t>
+            </a:r>
+          </a:p>
+        </p:txBody>
+      </p:sp>
+      <p:sp>
+        <p:nvSpPr>
+          <p:cNvPr id="17" name="TextBox 16"/>
+          <p:cNvSpPr txBox="1"/>
+          <p:nvPr/>
+        </p:nvSpPr>
+        <p:spPr>
+          <a:xfrm>
+            <a:off x="8010992" y="2925369"/>
+            <a:ext cx="739648" cy="2469202"/>
+          </a:xfrm>
+          <a:prstGeom prst="rect">
+            <a:avLst/>
+          </a:prstGeom>
+          <a:solidFill>
+            <a:schemeClr val="bg1"/>
+          </a:solidFill>
+        </p:spPr>
+        <p:txBody>
+          <a:bodyPr wrap="square" rtlCol="0">
+            <a:spAutoFit/>
+          </a:bodyPr>
+          <a:lstStyle/>
+          <a:p>
+            <a:pPr algn="r">
+              <a:lnSpc>
+                <a:spcPct val="170000"/>
+              </a:lnSpc>
+            </a:pPr>
+            <a:r>
+              <a:rPr lang="en-US" sz="1550" dirty="0">
+                <a:latin typeface="Arial" panose="020B0604020202020204" pitchFamily="34" charset="0"/>
+                <a:cs typeface="Arial" panose="020B0604020202020204" pitchFamily="34" charset="0"/>
+              </a:rPr>
+              <a:t>500-</a:t>
+            </a:r>
+          </a:p>
+          <a:p>
+            <a:pPr algn="r">
+              <a:lnSpc>
+                <a:spcPct val="170000"/>
+              </a:lnSpc>
+            </a:pPr>
+            <a:r>
+              <a:rPr lang="en-US" sz="1550" dirty="0">
+                <a:latin typeface="Arial" panose="020B0604020202020204" pitchFamily="34" charset="0"/>
+                <a:cs typeface="Arial" panose="020B0604020202020204" pitchFamily="34" charset="0"/>
+              </a:rPr>
+              <a:t>400-</a:t>
+            </a:r>
+          </a:p>
+          <a:p>
+            <a:pPr algn="r">
+              <a:lnSpc>
+                <a:spcPct val="170000"/>
+              </a:lnSpc>
+            </a:pPr>
+            <a:r>
+              <a:rPr lang="en-US" sz="1550" dirty="0">
+                <a:latin typeface="Arial" panose="020B0604020202020204" pitchFamily="34" charset="0"/>
+                <a:cs typeface="Arial" panose="020B0604020202020204" pitchFamily="34" charset="0"/>
+              </a:rPr>
+              <a:t>300-</a:t>
+            </a:r>
+          </a:p>
+          <a:p>
+            <a:pPr algn="r">
+              <a:lnSpc>
+                <a:spcPct val="170000"/>
+              </a:lnSpc>
+            </a:pPr>
+            <a:r>
+              <a:rPr lang="en-US" sz="1550" dirty="0">
+                <a:latin typeface="Arial" panose="020B0604020202020204" pitchFamily="34" charset="0"/>
+                <a:cs typeface="Arial" panose="020B0604020202020204" pitchFamily="34" charset="0"/>
+              </a:rPr>
+              <a:t>200-</a:t>
+            </a:r>
+          </a:p>
+          <a:p>
+            <a:pPr algn="r">
+              <a:lnSpc>
+                <a:spcPct val="170000"/>
+              </a:lnSpc>
+            </a:pPr>
+            <a:r>
+              <a:rPr lang="en-US" sz="1550" dirty="0">
+                <a:latin typeface="Arial" panose="020B0604020202020204" pitchFamily="34" charset="0"/>
+                <a:cs typeface="Arial" panose="020B0604020202020204" pitchFamily="34" charset="0"/>
+              </a:rPr>
+              <a:t>100-</a:t>
+            </a:r>
+          </a:p>
+          <a:p>
+            <a:pPr algn="r">
+              <a:lnSpc>
+                <a:spcPct val="170000"/>
+              </a:lnSpc>
+            </a:pPr>
+            <a:r>
+              <a:rPr lang="en-US" sz="1550" dirty="0">
+                <a:latin typeface="Arial" panose="020B0604020202020204" pitchFamily="34" charset="0"/>
+                <a:cs typeface="Arial" panose="020B0604020202020204" pitchFamily="34" charset="0"/>
+              </a:rPr>
+              <a:t>0</a:t>
+            </a:r>
+          </a:p>
+        </p:txBody>
+      </p:sp>
+      <p:sp>
+        <p:nvSpPr>
+          <p:cNvPr id="16" name="TextBox 15"/>
+          <p:cNvSpPr txBox="1"/>
+          <p:nvPr/>
+        </p:nvSpPr>
+        <p:spPr>
+          <a:xfrm rot="16200000">
+            <a:off x="6346419" y="3378624"/>
+            <a:ext cx="3334466" cy="369332"/>
+          </a:xfrm>
+          <a:prstGeom prst="rect">
+            <a:avLst/>
+          </a:prstGeom>
+          <a:solidFill>
+            <a:schemeClr val="bg1"/>
+          </a:solidFill>
+        </p:spPr>
+        <p:txBody>
+          <a:bodyPr wrap="square" rtlCol="0">
+            <a:spAutoFit/>
+          </a:bodyPr>
+          <a:lstStyle/>
+          <a:p>
+            <a:r>
+              <a:rPr lang="en-US" dirty="0">
+                <a:latin typeface="Arial" panose="020B0604020202020204" pitchFamily="34" charset="0"/>
+                <a:cs typeface="Arial" panose="020B0604020202020204" pitchFamily="34" charset="0"/>
+              </a:rPr>
+              <a:t>Startle Response</a:t>
+            </a:r>
+          </a:p>
+        </p:txBody>
+      </p:sp>
+      <p:sp>
+        <p:nvSpPr>
+          <p:cNvPr id="4" name="TextBox 3"/>
+          <p:cNvSpPr txBox="1"/>
+          <p:nvPr/>
+        </p:nvSpPr>
+        <p:spPr>
+          <a:xfrm>
+            <a:off x="1089884" y="5298315"/>
+            <a:ext cx="2992090" cy="369332"/>
+          </a:xfrm>
+          <a:prstGeom prst="rect">
+            <a:avLst/>
+          </a:prstGeom>
+          <a:solidFill>
+            <a:schemeClr val="bg1"/>
+          </a:solidFill>
+        </p:spPr>
+        <p:txBody>
+          <a:bodyPr wrap="square" rtlCol="0">
+            <a:spAutoFit/>
+          </a:bodyPr>
+          <a:lstStyle/>
+          <a:p>
+            <a:r>
+              <a:rPr lang="en-US" dirty="0">
+                <a:latin typeface="Arial" panose="020B0604020202020204" pitchFamily="34" charset="0"/>
+                <a:cs typeface="Arial" panose="020B0604020202020204" pitchFamily="34" charset="0"/>
+              </a:rPr>
+              <a:t>  Control           Treatment</a:t>
+            </a:r>
+          </a:p>
+        </p:txBody>
+      </p:sp>
+      <p:sp>
+        <p:nvSpPr>
+          <p:cNvPr id="18" name="TextBox 17"/>
+          <p:cNvSpPr txBox="1"/>
+          <p:nvPr/>
+        </p:nvSpPr>
+        <p:spPr>
+          <a:xfrm>
+            <a:off x="5071071" y="5263471"/>
+            <a:ext cx="2992090" cy="369332"/>
+          </a:xfrm>
+          <a:prstGeom prst="rect">
+            <a:avLst/>
+          </a:prstGeom>
+          <a:solidFill>
+            <a:schemeClr val="bg1"/>
+          </a:solidFill>
+        </p:spPr>
+        <p:txBody>
+          <a:bodyPr wrap="square" rtlCol="0">
+            <a:spAutoFit/>
+          </a:bodyPr>
+          <a:lstStyle/>
+          <a:p>
+            <a:r>
+              <a:rPr lang="en-US" dirty="0">
+                <a:latin typeface="Arial" panose="020B0604020202020204" pitchFamily="34" charset="0"/>
+                <a:cs typeface="Arial" panose="020B0604020202020204" pitchFamily="34" charset="0"/>
+              </a:rPr>
+              <a:t>   Control        Treatment</a:t>
+            </a:r>
+          </a:p>
+        </p:txBody>
+      </p:sp>
+      <p:sp>
+        <p:nvSpPr>
+          <p:cNvPr id="19" name="TextBox 18"/>
+          <p:cNvSpPr txBox="1"/>
+          <p:nvPr/>
+        </p:nvSpPr>
+        <p:spPr>
+          <a:xfrm>
+            <a:off x="8844254" y="5251712"/>
+            <a:ext cx="2992090" cy="369332"/>
+          </a:xfrm>
+          <a:prstGeom prst="rect">
+            <a:avLst/>
+          </a:prstGeom>
+          <a:solidFill>
+            <a:schemeClr val="bg1"/>
+          </a:solidFill>
+        </p:spPr>
+        <p:txBody>
+          <a:bodyPr wrap="square" rtlCol="0">
+            <a:spAutoFit/>
+          </a:bodyPr>
+          <a:lstStyle/>
+          <a:p>
+            <a:r>
+              <a:rPr lang="en-US" dirty="0">
+                <a:latin typeface="Arial" panose="020B0604020202020204" pitchFamily="34" charset="0"/>
+                <a:cs typeface="Arial" panose="020B0604020202020204" pitchFamily="34" charset="0"/>
+              </a:rPr>
+              <a:t>   Control        Treatment</a:t>
+            </a:r>
           </a:p>
         </p:txBody>
       </p:sp>
